--- a/images/chainercv.pptx
+++ b/images/chainercv.pptx
@@ -5,13 +5,14 @@
     <p:sldMasterId id="2147483658" r:id="rId1"/>
   </p:sldMasterIdLst>
   <p:notesMasterIdLst>
-    <p:notesMasterId r:id="rId3"/>
+    <p:notesMasterId r:id="rId4"/>
   </p:notesMasterIdLst>
   <p:handoutMasterIdLst>
-    <p:handoutMasterId r:id="rId4"/>
+    <p:handoutMasterId r:id="rId5"/>
   </p:handoutMasterIdLst>
   <p:sldIdLst>
     <p:sldId id="563" r:id="rId2"/>
+    <p:sldId id="564" r:id="rId3"/>
   </p:sldIdLst>
   <p:sldSz cx="9906000" cy="6858000" type="A4"/>
   <p:notesSz cx="6858000" cy="9144000"/>
@@ -4906,6 +4907,304 @@
     <p:extLst>
       <p:ext uri="{BB962C8B-B14F-4D97-AF65-F5344CB8AC3E}">
         <p14:creationId xmlns:p14="http://schemas.microsoft.com/office/powerpoint/2010/main" val="1280426068"/>
+      </p:ext>
+    </p:extLst>
+  </p:cSld>
+  <p:clrMapOvr>
+    <a:masterClrMapping/>
+  </p:clrMapOvr>
+</p:sld>
+</file>
+
+<file path=ppt/slides/slide2.xml><?xml version="1.0" encoding="utf-8"?>
+<p:sld xmlns:a="http://schemas.openxmlformats.org/drawingml/2006/main" xmlns:r="http://schemas.openxmlformats.org/officeDocument/2006/relationships" xmlns:p="http://schemas.openxmlformats.org/presentationml/2006/main">
+  <p:cSld>
+    <p:spTree>
+      <p:nvGrpSpPr>
+        <p:cNvPr id="1" name=""/>
+        <p:cNvGrpSpPr/>
+        <p:nvPr/>
+      </p:nvGrpSpPr>
+      <p:grpSpPr>
+        <a:xfrm>
+          <a:off x="0" y="0"/>
+          <a:ext cx="0" cy="0"/>
+          <a:chOff x="0" y="0"/>
+          <a:chExt cx="0" cy="0"/>
+        </a:xfrm>
+      </p:grpSpPr>
+      <p:sp>
+        <p:nvSpPr>
+          <p:cNvPr id="3" name="Slide Number Placeholder 2"/>
+          <p:cNvSpPr>
+            <a:spLocks noGrp="1"/>
+          </p:cNvSpPr>
+          <p:nvPr>
+            <p:ph type="sldNum" sz="quarter" idx="4"/>
+          </p:nvPr>
+        </p:nvSpPr>
+        <p:spPr/>
+        <p:txBody>
+          <a:bodyPr/>
+          <a:lstStyle/>
+          <a:p>
+            <a:fld id="{FB3508C7-2FE0-4945-9CBD-863E05F850D2}" type="slidenum">
+              <a:rPr lang="ja-JP" altLang="en-US" smtClean="0"/>
+              <a:pPr/>
+              <a:t>1</a:t>
+            </a:fld>
+            <a:endParaRPr lang="ja-JP" altLang="en-US" dirty="0"/>
+          </a:p>
+        </p:txBody>
+      </p:sp>
+      <p:pic>
+        <p:nvPicPr>
+          <p:cNvPr id="4" name="Picture 3"/>
+          <p:cNvPicPr>
+            <a:picLocks noChangeAspect="1"/>
+          </p:cNvPicPr>
+          <p:nvPr/>
+        </p:nvPicPr>
+        <p:blipFill>
+          <a:blip r:embed="rId2">
+            <a:extLst>
+              <a:ext uri="{28A0092B-C50C-407E-A947-70E740481C1C}">
+                <a14:useLocalDpi xmlns:a14="http://schemas.microsoft.com/office/drawing/2010/main" val="0"/>
+              </a:ext>
+            </a:extLst>
+          </a:blip>
+          <a:stretch>
+            <a:fillRect/>
+          </a:stretch>
+        </p:blipFill>
+        <p:spPr>
+          <a:xfrm>
+            <a:off x="0" y="3140968"/>
+            <a:ext cx="2174564" cy="1617380"/>
+          </a:xfrm>
+          <a:prstGeom prst="rect">
+            <a:avLst/>
+          </a:prstGeom>
+        </p:spPr>
+      </p:pic>
+      <p:pic>
+        <p:nvPicPr>
+          <p:cNvPr id="5" name="Picture 4"/>
+          <p:cNvPicPr>
+            <a:picLocks noChangeAspect="1"/>
+          </p:cNvPicPr>
+          <p:nvPr/>
+        </p:nvPicPr>
+        <p:blipFill>
+          <a:blip r:embed="rId3">
+            <a:extLst>
+              <a:ext uri="{28A0092B-C50C-407E-A947-70E740481C1C}">
+                <a14:useLocalDpi xmlns:a14="http://schemas.microsoft.com/office/drawing/2010/main" val="0"/>
+              </a:ext>
+            </a:extLst>
+          </a:blip>
+          <a:stretch>
+            <a:fillRect/>
+          </a:stretch>
+        </p:blipFill>
+        <p:spPr>
+          <a:xfrm>
+            <a:off x="3944888" y="3140968"/>
+            <a:ext cx="2174563" cy="1617380"/>
+          </a:xfrm>
+          <a:prstGeom prst="rect">
+            <a:avLst/>
+          </a:prstGeom>
+        </p:spPr>
+      </p:pic>
+      <p:pic>
+        <p:nvPicPr>
+          <p:cNvPr id="6" name="Picture 5"/>
+          <p:cNvPicPr>
+            <a:picLocks noChangeAspect="1"/>
+          </p:cNvPicPr>
+          <p:nvPr/>
+        </p:nvPicPr>
+        <p:blipFill>
+          <a:blip r:embed="rId4">
+            <a:extLst>
+              <a:ext uri="{28A0092B-C50C-407E-A947-70E740481C1C}">
+                <a14:useLocalDpi xmlns:a14="http://schemas.microsoft.com/office/drawing/2010/main" val="0"/>
+              </a:ext>
+            </a:extLst>
+          </a:blip>
+          <a:stretch>
+            <a:fillRect/>
+          </a:stretch>
+        </p:blipFill>
+        <p:spPr>
+          <a:xfrm>
+            <a:off x="7731436" y="3140968"/>
+            <a:ext cx="2174564" cy="1617380"/>
+          </a:xfrm>
+          <a:prstGeom prst="rect">
+            <a:avLst/>
+          </a:prstGeom>
+        </p:spPr>
+      </p:pic>
+      <p:cxnSp>
+        <p:nvCxnSpPr>
+          <p:cNvPr id="8" name="Straight Arrow Connector 7"/>
+          <p:cNvCxnSpPr>
+            <a:stCxn id="4" idx="3"/>
+            <a:endCxn id="5" idx="1"/>
+          </p:cNvCxnSpPr>
+          <p:nvPr/>
+        </p:nvCxnSpPr>
+        <p:spPr>
+          <a:xfrm>
+            <a:off x="2174564" y="3949658"/>
+            <a:ext cx="1770324" cy="0"/>
+          </a:xfrm>
+          <a:prstGeom prst="straightConnector1">
+            <a:avLst/>
+          </a:prstGeom>
+          <a:ln w="127000">
+            <a:solidFill>
+              <a:schemeClr val="tx1"/>
+            </a:solidFill>
+            <a:tailEnd type="triangle"/>
+          </a:ln>
+        </p:spPr>
+        <p:style>
+          <a:lnRef idx="1">
+            <a:schemeClr val="accent1"/>
+          </a:lnRef>
+          <a:fillRef idx="0">
+            <a:schemeClr val="accent1"/>
+          </a:fillRef>
+          <a:effectRef idx="0">
+            <a:schemeClr val="accent1"/>
+          </a:effectRef>
+          <a:fontRef idx="minor">
+            <a:schemeClr val="tx1"/>
+          </a:fontRef>
+        </p:style>
+      </p:cxnSp>
+      <p:cxnSp>
+        <p:nvCxnSpPr>
+          <p:cNvPr id="9" name="Straight Arrow Connector 8"/>
+          <p:cNvCxnSpPr>
+            <a:stCxn id="5" idx="3"/>
+            <a:endCxn id="6" idx="1"/>
+          </p:cNvCxnSpPr>
+          <p:nvPr/>
+        </p:nvCxnSpPr>
+        <p:spPr>
+          <a:xfrm>
+            <a:off x="6119451" y="3949658"/>
+            <a:ext cx="1611985" cy="0"/>
+          </a:xfrm>
+          <a:prstGeom prst="straightConnector1">
+            <a:avLst/>
+          </a:prstGeom>
+          <a:ln w="127000">
+            <a:solidFill>
+              <a:schemeClr val="tx1"/>
+            </a:solidFill>
+            <a:tailEnd type="triangle"/>
+          </a:ln>
+        </p:spPr>
+        <p:style>
+          <a:lnRef idx="1">
+            <a:schemeClr val="accent1"/>
+          </a:lnRef>
+          <a:fillRef idx="0">
+            <a:schemeClr val="accent1"/>
+          </a:fillRef>
+          <a:effectRef idx="0">
+            <a:schemeClr val="accent1"/>
+          </a:effectRef>
+          <a:fontRef idx="minor">
+            <a:schemeClr val="tx1"/>
+          </a:fontRef>
+        </p:style>
+      </p:cxnSp>
+      <p:sp>
+        <p:nvSpPr>
+          <p:cNvPr id="13" name="TextBox 12"/>
+          <p:cNvSpPr txBox="1"/>
+          <p:nvPr/>
+        </p:nvSpPr>
+        <p:spPr>
+          <a:xfrm>
+            <a:off x="2198897" y="2969009"/>
+            <a:ext cx="1745991" cy="923330"/>
+          </a:xfrm>
+          <a:prstGeom prst="rect">
+            <a:avLst/>
+          </a:prstGeom>
+          <a:noFill/>
+        </p:spPr>
+        <p:txBody>
+          <a:bodyPr wrap="none" rtlCol="0">
+            <a:spAutoFit/>
+          </a:bodyPr>
+          <a:lstStyle/>
+          <a:p>
+            <a:pPr algn="ctr"/>
+            <a:r>
+              <a:rPr lang="en-US" dirty="0" smtClean="0"/>
+              <a:t>Preprocessing</a:t>
+            </a:r>
+          </a:p>
+          <a:p>
+            <a:pPr algn="ctr"/>
+            <a:r>
+              <a:rPr lang="en-US" dirty="0" smtClean="0"/>
+              <a:t>And </a:t>
+            </a:r>
+          </a:p>
+          <a:p>
+            <a:pPr algn="ctr"/>
+            <a:r>
+              <a:rPr lang="en-US" dirty="0" smtClean="0"/>
+              <a:t>CNN</a:t>
+            </a:r>
+            <a:endParaRPr lang="en-US" dirty="0"/>
+          </a:p>
+        </p:txBody>
+      </p:sp>
+      <p:sp>
+        <p:nvSpPr>
+          <p:cNvPr id="17" name="TextBox 16"/>
+          <p:cNvSpPr txBox="1"/>
+          <p:nvPr/>
+        </p:nvSpPr>
+        <p:spPr>
+          <a:xfrm>
+            <a:off x="5998202" y="3262949"/>
+            <a:ext cx="1854482" cy="369332"/>
+          </a:xfrm>
+          <a:prstGeom prst="rect">
+            <a:avLst/>
+          </a:prstGeom>
+          <a:noFill/>
+        </p:spPr>
+        <p:txBody>
+          <a:bodyPr wrap="none" rtlCol="0">
+            <a:spAutoFit/>
+          </a:bodyPr>
+          <a:lstStyle/>
+          <a:p>
+            <a:pPr algn="ctr"/>
+            <a:r>
+              <a:rPr lang="en-US" smtClean="0"/>
+              <a:t>Postprocessing</a:t>
+            </a:r>
+            <a:endParaRPr lang="en-US" dirty="0"/>
+          </a:p>
+        </p:txBody>
+      </p:sp>
+    </p:spTree>
+    <p:extLst>
+      <p:ext uri="{BB962C8B-B14F-4D97-AF65-F5344CB8AC3E}">
+        <p14:creationId xmlns:p14="http://schemas.microsoft.com/office/powerpoint/2010/main" val="1173010186"/>
       </p:ext>
     </p:extLst>
   </p:cSld>

--- a/images/chainercv.pptx
+++ b/images/chainercv.pptx
@@ -5,14 +5,15 @@
     <p:sldMasterId id="2147483658" r:id="rId1"/>
   </p:sldMasterIdLst>
   <p:notesMasterIdLst>
-    <p:notesMasterId r:id="rId4"/>
+    <p:notesMasterId r:id="rId5"/>
   </p:notesMasterIdLst>
   <p:handoutMasterIdLst>
-    <p:handoutMasterId r:id="rId5"/>
+    <p:handoutMasterId r:id="rId6"/>
   </p:handoutMasterIdLst>
   <p:sldIdLst>
     <p:sldId id="563" r:id="rId2"/>
     <p:sldId id="564" r:id="rId3"/>
+    <p:sldId id="565" r:id="rId4"/>
   </p:sldIdLst>
   <p:sldSz cx="9906000" cy="6858000" type="A4"/>
   <p:notesSz cx="6858000" cy="9144000"/>
@@ -5205,6 +5206,943 @@
     <p:extLst>
       <p:ext uri="{BB962C8B-B14F-4D97-AF65-F5344CB8AC3E}">
         <p14:creationId xmlns:p14="http://schemas.microsoft.com/office/powerpoint/2010/main" val="1173010186"/>
+      </p:ext>
+    </p:extLst>
+  </p:cSld>
+  <p:clrMapOvr>
+    <a:masterClrMapping/>
+  </p:clrMapOvr>
+</p:sld>
+</file>
+
+<file path=ppt/slides/slide3.xml><?xml version="1.0" encoding="utf-8"?>
+<p:sld xmlns:a="http://schemas.openxmlformats.org/drawingml/2006/main" xmlns:r="http://schemas.openxmlformats.org/officeDocument/2006/relationships" xmlns:p="http://schemas.openxmlformats.org/presentationml/2006/main">
+  <p:cSld>
+    <p:spTree>
+      <p:nvGrpSpPr>
+        <p:cNvPr id="1" name=""/>
+        <p:cNvGrpSpPr/>
+        <p:nvPr/>
+      </p:nvGrpSpPr>
+      <p:grpSpPr>
+        <a:xfrm>
+          <a:off x="0" y="0"/>
+          <a:ext cx="0" cy="0"/>
+          <a:chOff x="0" y="0"/>
+          <a:chExt cx="0" cy="0"/>
+        </a:xfrm>
+      </p:grpSpPr>
+      <p:sp>
+        <p:nvSpPr>
+          <p:cNvPr id="2" name="Title 1"/>
+          <p:cNvSpPr>
+            <a:spLocks noGrp="1"/>
+          </p:cNvSpPr>
+          <p:nvPr>
+            <p:ph type="title"/>
+          </p:nvPr>
+        </p:nvSpPr>
+        <p:spPr/>
+        <p:txBody>
+          <a:bodyPr/>
+          <a:lstStyle/>
+          <a:p>
+            <a:endParaRPr lang="en-US"/>
+          </a:p>
+        </p:txBody>
+      </p:sp>
+      <p:sp>
+        <p:nvSpPr>
+          <p:cNvPr id="3" name="Slide Number Placeholder 2"/>
+          <p:cNvSpPr>
+            <a:spLocks noGrp="1"/>
+          </p:cNvSpPr>
+          <p:nvPr>
+            <p:ph type="sldNum" sz="quarter" idx="4"/>
+          </p:nvPr>
+        </p:nvSpPr>
+        <p:spPr/>
+        <p:txBody>
+          <a:bodyPr/>
+          <a:lstStyle/>
+          <a:p>
+            <a:fld id="{FB3508C7-2FE0-4945-9CBD-863E05F850D2}" type="slidenum">
+              <a:rPr lang="ja-JP" altLang="en-US" smtClean="0"/>
+              <a:pPr/>
+              <a:t>2</a:t>
+            </a:fld>
+            <a:endParaRPr lang="ja-JP" altLang="en-US" dirty="0"/>
+          </a:p>
+        </p:txBody>
+      </p:sp>
+      <p:sp>
+        <p:nvSpPr>
+          <p:cNvPr id="4" name="Can 3"/>
+          <p:cNvSpPr/>
+          <p:nvPr/>
+        </p:nvSpPr>
+        <p:spPr bwMode="auto">
+          <a:xfrm>
+            <a:off x="272480" y="1121674"/>
+            <a:ext cx="1489309" cy="1393553"/>
+          </a:xfrm>
+          <a:prstGeom prst="can">
+            <a:avLst/>
+          </a:prstGeom>
+          <a:solidFill>
+            <a:schemeClr val="bg2"/>
+          </a:solidFill>
+          <a:ln>
+            <a:solidFill>
+              <a:schemeClr val="tx1"/>
+            </a:solidFill>
+          </a:ln>
+          <a:extLst/>
+        </p:spPr>
+        <p:style>
+          <a:lnRef idx="2">
+            <a:schemeClr val="dk1"/>
+          </a:lnRef>
+          <a:fillRef idx="1">
+            <a:schemeClr val="lt1"/>
+          </a:fillRef>
+          <a:effectRef idx="0">
+            <a:schemeClr val="dk1"/>
+          </a:effectRef>
+          <a:fontRef idx="minor">
+            <a:schemeClr val="dk1"/>
+          </a:fontRef>
+        </p:style>
+        <p:txBody>
+          <a:bodyPr lIns="0" tIns="0" rIns="0" bIns="0" rtlCol="0" anchor="ctr">
+            <a:spAutoFit/>
+          </a:bodyPr>
+          <a:lstStyle/>
+          <a:p>
+            <a:pPr algn="just">
+              <a:lnSpc>
+                <a:spcPct val="140000"/>
+              </a:lnSpc>
+              <a:spcBef>
+                <a:spcPct val="0"/>
+              </a:spcBef>
+              <a:spcAft>
+                <a:spcPts val="600"/>
+              </a:spcAft>
+            </a:pPr>
+            <a:endParaRPr lang="en-US" sz="1600" dirty="0">
+              <a:solidFill>
+                <a:srgbClr val="4D4D4D"/>
+              </a:solidFill>
+              <a:latin typeface="メイリオ" pitchFamily="50" charset="-128"/>
+              <a:ea typeface="メイリオ" pitchFamily="50" charset="-128"/>
+              <a:cs typeface="メイリオ" pitchFamily="50" charset="-128"/>
+            </a:endParaRPr>
+          </a:p>
+        </p:txBody>
+      </p:sp>
+      <p:pic>
+        <p:nvPicPr>
+          <p:cNvPr id="8" name="Picture 7"/>
+          <p:cNvPicPr>
+            <a:picLocks noChangeAspect="1"/>
+          </p:cNvPicPr>
+          <p:nvPr/>
+        </p:nvPicPr>
+        <p:blipFill>
+          <a:blip r:embed="rId2">
+            <a:extLst>
+              <a:ext uri="{28A0092B-C50C-407E-A947-70E740481C1C}">
+                <a14:useLocalDpi xmlns:a14="http://schemas.microsoft.com/office/drawing/2010/main" val="0"/>
+              </a:ext>
+            </a:extLst>
+          </a:blip>
+          <a:stretch>
+            <a:fillRect/>
+          </a:stretch>
+        </p:blipFill>
+        <p:spPr>
+          <a:xfrm>
+            <a:off x="914322" y="2247505"/>
+            <a:ext cx="974853" cy="885589"/>
+          </a:xfrm>
+          <a:prstGeom prst="rect">
+            <a:avLst/>
+          </a:prstGeom>
+        </p:spPr>
+      </p:pic>
+      <p:sp>
+        <p:nvSpPr>
+          <p:cNvPr id="9" name="TextBox 8"/>
+          <p:cNvSpPr txBox="1"/>
+          <p:nvPr/>
+        </p:nvSpPr>
+        <p:spPr>
+          <a:xfrm flipH="1">
+            <a:off x="272480" y="1746982"/>
+            <a:ext cx="1616695" cy="369332"/>
+          </a:xfrm>
+          <a:prstGeom prst="rect">
+            <a:avLst/>
+          </a:prstGeom>
+          <a:noFill/>
+        </p:spPr>
+        <p:txBody>
+          <a:bodyPr wrap="square" rtlCol="0">
+            <a:spAutoFit/>
+          </a:bodyPr>
+          <a:lstStyle/>
+          <a:p>
+            <a:r>
+              <a:rPr lang="en-US" dirty="0" smtClean="0"/>
+              <a:t>Data Loader</a:t>
+            </a:r>
+            <a:endParaRPr lang="en-US" dirty="0"/>
+          </a:p>
+        </p:txBody>
+      </p:sp>
+      <p:cxnSp>
+        <p:nvCxnSpPr>
+          <p:cNvPr id="10" name="Straight Arrow Connector 9"/>
+          <p:cNvCxnSpPr>
+            <a:stCxn id="4" idx="4"/>
+            <a:endCxn id="12" idx="1"/>
+          </p:cNvCxnSpPr>
+          <p:nvPr/>
+        </p:nvCxnSpPr>
+        <p:spPr>
+          <a:xfrm>
+            <a:off x="1761789" y="1818451"/>
+            <a:ext cx="864098" cy="1"/>
+          </a:xfrm>
+          <a:prstGeom prst="straightConnector1">
+            <a:avLst/>
+          </a:prstGeom>
+          <a:ln w="76200">
+            <a:solidFill>
+              <a:schemeClr val="tx1"/>
+            </a:solidFill>
+            <a:tailEnd type="triangle"/>
+          </a:ln>
+        </p:spPr>
+        <p:style>
+          <a:lnRef idx="1">
+            <a:schemeClr val="accent1"/>
+          </a:lnRef>
+          <a:fillRef idx="0">
+            <a:schemeClr val="accent1"/>
+          </a:fillRef>
+          <a:effectRef idx="0">
+            <a:schemeClr val="accent1"/>
+          </a:effectRef>
+          <a:fontRef idx="minor">
+            <a:schemeClr val="tx1"/>
+          </a:fontRef>
+        </p:style>
+      </p:cxnSp>
+      <p:sp>
+        <p:nvSpPr>
+          <p:cNvPr id="12" name="Rounded Rectangle 11"/>
+          <p:cNvSpPr/>
+          <p:nvPr/>
+        </p:nvSpPr>
+        <p:spPr bwMode="auto">
+          <a:xfrm>
+            <a:off x="2625887" y="1389398"/>
+            <a:ext cx="1744823" cy="858107"/>
+          </a:xfrm>
+          <a:prstGeom prst="roundRect">
+            <a:avLst/>
+          </a:prstGeom>
+          <a:solidFill>
+            <a:schemeClr val="bg2"/>
+          </a:solidFill>
+          <a:ln w="9525">
+            <a:solidFill>
+              <a:schemeClr val="bg1"/>
+            </a:solidFill>
+            <a:round/>
+            <a:headEnd/>
+            <a:tailEnd/>
+          </a:ln>
+          <a:effectLst/>
+          <a:extLst/>
+        </p:spPr>
+        <p:txBody>
+          <a:bodyPr lIns="0" tIns="0" rIns="0" bIns="0" rtlCol="0" anchor="ctr">
+            <a:spAutoFit/>
+          </a:bodyPr>
+          <a:lstStyle/>
+          <a:p>
+            <a:pPr algn="ctr">
+              <a:lnSpc>
+                <a:spcPct val="140000"/>
+              </a:lnSpc>
+              <a:spcBef>
+                <a:spcPct val="0"/>
+              </a:spcBef>
+              <a:spcAft>
+                <a:spcPts val="600"/>
+              </a:spcAft>
+            </a:pPr>
+            <a:r>
+              <a:rPr lang="en-US" dirty="0" smtClean="0">
+                <a:solidFill>
+                  <a:srgbClr val="4D4D4D"/>
+                </a:solidFill>
+                <a:latin typeface="メイリオ" pitchFamily="50" charset="-128"/>
+                <a:ea typeface="メイリオ" pitchFamily="50" charset="-128"/>
+                <a:cs typeface="メイリオ" pitchFamily="50" charset="-128"/>
+              </a:rPr>
+              <a:t>Data Preprocessing</a:t>
+            </a:r>
+            <a:endParaRPr lang="en-US" dirty="0">
+              <a:solidFill>
+                <a:srgbClr val="4D4D4D"/>
+              </a:solidFill>
+              <a:latin typeface="メイリオ" pitchFamily="50" charset="-128"/>
+              <a:ea typeface="メイリオ" pitchFamily="50" charset="-128"/>
+              <a:cs typeface="メイリオ" pitchFamily="50" charset="-128"/>
+            </a:endParaRPr>
+          </a:p>
+        </p:txBody>
+      </p:sp>
+      <p:pic>
+        <p:nvPicPr>
+          <p:cNvPr id="13" name="Picture 12"/>
+          <p:cNvPicPr>
+            <a:picLocks noChangeAspect="1"/>
+          </p:cNvPicPr>
+          <p:nvPr/>
+        </p:nvPicPr>
+        <p:blipFill>
+          <a:blip r:embed="rId3">
+            <a:extLst>
+              <a:ext uri="{28A0092B-C50C-407E-A947-70E740481C1C}">
+                <a14:useLocalDpi xmlns:a14="http://schemas.microsoft.com/office/drawing/2010/main" val="0"/>
+              </a:ext>
+            </a:extLst>
+          </a:blip>
+          <a:stretch>
+            <a:fillRect/>
+          </a:stretch>
+        </p:blipFill>
+        <p:spPr>
+          <a:xfrm>
+            <a:off x="3021829" y="2235053"/>
+            <a:ext cx="952937" cy="862732"/>
+          </a:xfrm>
+          <a:prstGeom prst="rect">
+            <a:avLst/>
+          </a:prstGeom>
+        </p:spPr>
+      </p:pic>
+      <p:cxnSp>
+        <p:nvCxnSpPr>
+          <p:cNvPr id="14" name="Straight Arrow Connector 13"/>
+          <p:cNvCxnSpPr/>
+          <p:nvPr/>
+        </p:nvCxnSpPr>
+        <p:spPr>
+          <a:xfrm flipV="1">
+            <a:off x="4370710" y="1821275"/>
+            <a:ext cx="1269670" cy="1"/>
+          </a:xfrm>
+          <a:prstGeom prst="straightConnector1">
+            <a:avLst/>
+          </a:prstGeom>
+          <a:ln w="76200">
+            <a:solidFill>
+              <a:schemeClr val="tx1"/>
+            </a:solidFill>
+            <a:tailEnd type="triangle"/>
+          </a:ln>
+        </p:spPr>
+        <p:style>
+          <a:lnRef idx="1">
+            <a:schemeClr val="accent1"/>
+          </a:lnRef>
+          <a:fillRef idx="0">
+            <a:schemeClr val="accent1"/>
+          </a:fillRef>
+          <a:effectRef idx="0">
+            <a:schemeClr val="accent1"/>
+          </a:effectRef>
+          <a:fontRef idx="minor">
+            <a:schemeClr val="tx1"/>
+          </a:fontRef>
+        </p:style>
+      </p:cxnSp>
+      <p:sp>
+        <p:nvSpPr>
+          <p:cNvPr id="23" name="Trapezoid 22"/>
+          <p:cNvSpPr/>
+          <p:nvPr/>
+        </p:nvSpPr>
+        <p:spPr bwMode="auto">
+          <a:xfrm rot="10800000">
+            <a:off x="5467663" y="1331330"/>
+            <a:ext cx="1512168" cy="1280480"/>
+          </a:xfrm>
+          <a:prstGeom prst="trapezoid">
+            <a:avLst/>
+          </a:prstGeom>
+          <a:solidFill>
+            <a:schemeClr val="accent1"/>
+          </a:solidFill>
+          <a:ln>
+            <a:noFill/>
+          </a:ln>
+          <a:effectLst/>
+          <a:extLst/>
+        </p:spPr>
+        <p:txBody>
+          <a:bodyPr lIns="0" tIns="0" rIns="0" bIns="0" rtlCol="0" anchor="ctr">
+            <a:spAutoFit/>
+          </a:bodyPr>
+          <a:lstStyle/>
+          <a:p>
+            <a:pPr algn="just">
+              <a:lnSpc>
+                <a:spcPct val="140000"/>
+              </a:lnSpc>
+              <a:spcBef>
+                <a:spcPct val="0"/>
+              </a:spcBef>
+              <a:spcAft>
+                <a:spcPts val="600"/>
+              </a:spcAft>
+            </a:pPr>
+            <a:endParaRPr lang="en-US" sz="1600" dirty="0">
+              <a:solidFill>
+                <a:srgbClr val="4D4D4D"/>
+              </a:solidFill>
+              <a:latin typeface="メイリオ" pitchFamily="50" charset="-128"/>
+              <a:ea typeface="メイリオ" pitchFamily="50" charset="-128"/>
+              <a:cs typeface="メイリオ" pitchFamily="50" charset="-128"/>
+            </a:endParaRPr>
+          </a:p>
+        </p:txBody>
+      </p:sp>
+      <p:sp>
+        <p:nvSpPr>
+          <p:cNvPr id="26" name="TextBox 25"/>
+          <p:cNvSpPr txBox="1"/>
+          <p:nvPr/>
+        </p:nvSpPr>
+        <p:spPr>
+          <a:xfrm flipH="1">
+            <a:off x="5433540" y="1601174"/>
+            <a:ext cx="1616695" cy="646331"/>
+          </a:xfrm>
+          <a:prstGeom prst="rect">
+            <a:avLst/>
+          </a:prstGeom>
+          <a:noFill/>
+        </p:spPr>
+        <p:txBody>
+          <a:bodyPr wrap="square" rtlCol="0">
+            <a:spAutoFit/>
+          </a:bodyPr>
+          <a:lstStyle/>
+          <a:p>
+            <a:pPr algn="ctr"/>
+            <a:r>
+              <a:rPr lang="en-US" dirty="0" smtClean="0"/>
+              <a:t>Model Forward</a:t>
+            </a:r>
+            <a:endParaRPr lang="en-US" dirty="0"/>
+          </a:p>
+        </p:txBody>
+      </p:sp>
+      <p:cxnSp>
+        <p:nvCxnSpPr>
+          <p:cNvPr id="29" name="Straight Arrow Connector 28"/>
+          <p:cNvCxnSpPr/>
+          <p:nvPr/>
+        </p:nvCxnSpPr>
+        <p:spPr>
+          <a:xfrm flipH="1">
+            <a:off x="4370711" y="2611810"/>
+            <a:ext cx="1495536" cy="1583224"/>
+          </a:xfrm>
+          <a:prstGeom prst="straightConnector1">
+            <a:avLst/>
+          </a:prstGeom>
+          <a:ln w="76200">
+            <a:solidFill>
+              <a:schemeClr val="tx1"/>
+            </a:solidFill>
+            <a:tailEnd type="triangle"/>
+          </a:ln>
+        </p:spPr>
+        <p:style>
+          <a:lnRef idx="1">
+            <a:schemeClr val="accent1"/>
+          </a:lnRef>
+          <a:fillRef idx="0">
+            <a:schemeClr val="accent1"/>
+          </a:fillRef>
+          <a:effectRef idx="0">
+            <a:schemeClr val="accent1"/>
+          </a:effectRef>
+          <a:fontRef idx="minor">
+            <a:schemeClr val="tx1"/>
+          </a:fontRef>
+        </p:style>
+      </p:cxnSp>
+      <p:sp>
+        <p:nvSpPr>
+          <p:cNvPr id="32" name="Rounded Rectangle 31"/>
+          <p:cNvSpPr/>
+          <p:nvPr/>
+        </p:nvSpPr>
+        <p:spPr bwMode="auto">
+          <a:xfrm>
+            <a:off x="2084982" y="4281099"/>
+            <a:ext cx="2284984" cy="943237"/>
+          </a:xfrm>
+          <a:prstGeom prst="roundRect">
+            <a:avLst/>
+          </a:prstGeom>
+          <a:solidFill>
+            <a:schemeClr val="bg2"/>
+          </a:solidFill>
+          <a:ln w="9525">
+            <a:solidFill>
+              <a:schemeClr val="bg1"/>
+            </a:solidFill>
+            <a:round/>
+            <a:headEnd/>
+            <a:tailEnd/>
+          </a:ln>
+          <a:effectLst/>
+          <a:extLst/>
+        </p:spPr>
+        <p:txBody>
+          <a:bodyPr lIns="0" tIns="0" rIns="0" bIns="0" rtlCol="0" anchor="ctr">
+            <a:spAutoFit/>
+          </a:bodyPr>
+          <a:lstStyle/>
+          <a:p>
+            <a:pPr algn="ctr">
+              <a:lnSpc>
+                <a:spcPct val="140000"/>
+              </a:lnSpc>
+              <a:spcBef>
+                <a:spcPct val="0"/>
+              </a:spcBef>
+              <a:spcAft>
+                <a:spcPts val="600"/>
+              </a:spcAft>
+            </a:pPr>
+            <a:r>
+              <a:rPr lang="en-US" dirty="0" err="1" smtClean="0">
+                <a:solidFill>
+                  <a:srgbClr val="4D4D4D"/>
+                </a:solidFill>
+                <a:latin typeface="メイリオ" pitchFamily="50" charset="-128"/>
+                <a:ea typeface="メイリオ" pitchFamily="50" charset="-128"/>
+                <a:cs typeface="メイリオ" pitchFamily="50" charset="-128"/>
+              </a:rPr>
+              <a:t>Backprop</a:t>
+            </a:r>
+            <a:r>
+              <a:rPr lang="en-US" dirty="0" smtClean="0">
+                <a:solidFill>
+                  <a:srgbClr val="4D4D4D"/>
+                </a:solidFill>
+                <a:latin typeface="メイリオ" pitchFamily="50" charset="-128"/>
+                <a:ea typeface="メイリオ" pitchFamily="50" charset="-128"/>
+                <a:cs typeface="メイリオ" pitchFamily="50" charset="-128"/>
+              </a:rPr>
+              <a:t>. &amp;</a:t>
+            </a:r>
+            <a:endParaRPr lang="en-US" dirty="0" smtClean="0">
+              <a:solidFill>
+                <a:srgbClr val="4D4D4D"/>
+              </a:solidFill>
+              <a:latin typeface="メイリオ" pitchFamily="50" charset="-128"/>
+              <a:ea typeface="メイリオ" pitchFamily="50" charset="-128"/>
+              <a:cs typeface="メイリオ" pitchFamily="50" charset="-128"/>
+            </a:endParaRPr>
+          </a:p>
+          <a:p>
+            <a:pPr algn="ctr">
+              <a:lnSpc>
+                <a:spcPct val="140000"/>
+              </a:lnSpc>
+              <a:spcBef>
+                <a:spcPct val="0"/>
+              </a:spcBef>
+              <a:spcAft>
+                <a:spcPts val="600"/>
+              </a:spcAft>
+            </a:pPr>
+            <a:r>
+              <a:rPr lang="en-US" dirty="0" smtClean="0">
+                <a:solidFill>
+                  <a:srgbClr val="4D4D4D"/>
+                </a:solidFill>
+                <a:latin typeface="メイリオ" pitchFamily="50" charset="-128"/>
+                <a:ea typeface="メイリオ" pitchFamily="50" charset="-128"/>
+                <a:cs typeface="メイリオ" pitchFamily="50" charset="-128"/>
+              </a:rPr>
+              <a:t>Weight update</a:t>
+            </a:r>
+            <a:endParaRPr lang="en-US" dirty="0">
+              <a:solidFill>
+                <a:srgbClr val="4D4D4D"/>
+              </a:solidFill>
+              <a:latin typeface="メイリオ" pitchFamily="50" charset="-128"/>
+              <a:ea typeface="メイリオ" pitchFamily="50" charset="-128"/>
+              <a:cs typeface="メイリオ" pitchFamily="50" charset="-128"/>
+            </a:endParaRPr>
+          </a:p>
+        </p:txBody>
+      </p:sp>
+      <p:pic>
+        <p:nvPicPr>
+          <p:cNvPr id="33" name="Picture 32"/>
+          <p:cNvPicPr>
+            <a:picLocks noChangeAspect="1"/>
+          </p:cNvPicPr>
+          <p:nvPr/>
+        </p:nvPicPr>
+        <p:blipFill>
+          <a:blip r:embed="rId4">
+            <a:extLst>
+              <a:ext uri="{28A0092B-C50C-407E-A947-70E740481C1C}">
+                <a14:useLocalDpi xmlns:a14="http://schemas.microsoft.com/office/drawing/2010/main" val="0"/>
+              </a:ext>
+            </a:extLst>
+          </a:blip>
+          <a:stretch>
+            <a:fillRect/>
+          </a:stretch>
+        </p:blipFill>
+        <p:spPr>
+          <a:xfrm>
+            <a:off x="2875701" y="5205835"/>
+            <a:ext cx="703546" cy="703546"/>
+          </a:xfrm>
+          <a:prstGeom prst="rect">
+            <a:avLst/>
+          </a:prstGeom>
+        </p:spPr>
+      </p:pic>
+      <p:cxnSp>
+        <p:nvCxnSpPr>
+          <p:cNvPr id="34" name="Straight Arrow Connector 33"/>
+          <p:cNvCxnSpPr/>
+          <p:nvPr/>
+        </p:nvCxnSpPr>
+        <p:spPr>
+          <a:xfrm flipH="1">
+            <a:off x="6223747" y="2666419"/>
+            <a:ext cx="1" cy="1528615"/>
+          </a:xfrm>
+          <a:prstGeom prst="straightConnector1">
+            <a:avLst/>
+          </a:prstGeom>
+          <a:ln w="76200">
+            <a:solidFill>
+              <a:schemeClr val="tx1"/>
+            </a:solidFill>
+            <a:tailEnd type="triangle"/>
+          </a:ln>
+        </p:spPr>
+        <p:style>
+          <a:lnRef idx="1">
+            <a:schemeClr val="accent1"/>
+          </a:lnRef>
+          <a:fillRef idx="0">
+            <a:schemeClr val="accent1"/>
+          </a:fillRef>
+          <a:effectRef idx="0">
+            <a:schemeClr val="accent1"/>
+          </a:effectRef>
+          <a:fontRef idx="minor">
+            <a:schemeClr val="tx1"/>
+          </a:fontRef>
+        </p:style>
+      </p:cxnSp>
+      <p:sp>
+        <p:nvSpPr>
+          <p:cNvPr id="46" name="Rounded Rectangle 45"/>
+          <p:cNvSpPr/>
+          <p:nvPr/>
+        </p:nvSpPr>
+        <p:spPr bwMode="auto">
+          <a:xfrm>
+            <a:off x="5081255" y="4553514"/>
+            <a:ext cx="2284984" cy="398407"/>
+          </a:xfrm>
+          <a:prstGeom prst="roundRect">
+            <a:avLst/>
+          </a:prstGeom>
+          <a:solidFill>
+            <a:schemeClr val="bg2"/>
+          </a:solidFill>
+          <a:ln w="9525">
+            <a:solidFill>
+              <a:schemeClr val="bg1"/>
+            </a:solidFill>
+            <a:round/>
+            <a:headEnd/>
+            <a:tailEnd/>
+          </a:ln>
+          <a:effectLst/>
+          <a:extLst/>
+        </p:spPr>
+        <p:txBody>
+          <a:bodyPr lIns="0" tIns="0" rIns="0" bIns="0" rtlCol="0" anchor="ctr">
+            <a:spAutoFit/>
+          </a:bodyPr>
+          <a:lstStyle/>
+          <a:p>
+            <a:pPr algn="ctr">
+              <a:lnSpc>
+                <a:spcPct val="140000"/>
+              </a:lnSpc>
+              <a:spcBef>
+                <a:spcPct val="0"/>
+              </a:spcBef>
+              <a:spcAft>
+                <a:spcPts val="600"/>
+              </a:spcAft>
+            </a:pPr>
+            <a:r>
+              <a:rPr lang="en-US" dirty="0" smtClean="0">
+                <a:solidFill>
+                  <a:srgbClr val="4D4D4D"/>
+                </a:solidFill>
+                <a:latin typeface="メイリオ" pitchFamily="50" charset="-128"/>
+                <a:ea typeface="メイリオ" pitchFamily="50" charset="-128"/>
+                <a:cs typeface="メイリオ" pitchFamily="50" charset="-128"/>
+              </a:rPr>
+              <a:t>Evaluation</a:t>
+            </a:r>
+            <a:endParaRPr lang="en-US" dirty="0">
+              <a:solidFill>
+                <a:srgbClr val="4D4D4D"/>
+              </a:solidFill>
+              <a:latin typeface="メイリオ" pitchFamily="50" charset="-128"/>
+              <a:ea typeface="メイリオ" pitchFamily="50" charset="-128"/>
+              <a:cs typeface="メイリオ" pitchFamily="50" charset="-128"/>
+            </a:endParaRPr>
+          </a:p>
+        </p:txBody>
+      </p:sp>
+      <p:sp>
+        <p:nvSpPr>
+          <p:cNvPr id="47" name="TextBox 46"/>
+          <p:cNvSpPr txBox="1"/>
+          <p:nvPr/>
+        </p:nvSpPr>
+        <p:spPr>
+          <a:xfrm>
+            <a:off x="5106293" y="5095943"/>
+            <a:ext cx="2234907" cy="1188000"/>
+          </a:xfrm>
+          <a:prstGeom prst="rect">
+            <a:avLst/>
+          </a:prstGeom>
+          <a:solidFill>
+            <a:schemeClr val="bg1"/>
+          </a:solidFill>
+        </p:spPr>
+        <p:txBody>
+          <a:bodyPr wrap="none" rtlCol="0">
+            <a:spAutoFit/>
+          </a:bodyPr>
+          <a:lstStyle/>
+          <a:p>
+            <a:r>
+              <a:rPr lang="en-US" i="1" dirty="0" err="1" smtClean="0"/>
+              <a:t>mAP</a:t>
+            </a:r>
+            <a:r>
+              <a:rPr lang="en-US" i="1" dirty="0" smtClean="0"/>
+              <a:t>=0.69</a:t>
+            </a:r>
+          </a:p>
+          <a:p>
+            <a:r>
+              <a:rPr lang="en-US" i="1" dirty="0" smtClean="0"/>
+              <a:t>AP (horse) = 0.71</a:t>
+            </a:r>
+          </a:p>
+          <a:p>
+            <a:r>
+              <a:rPr lang="en-US" i="1" dirty="0"/>
+              <a:t> </a:t>
+            </a:r>
+            <a:r>
+              <a:rPr lang="en-US" i="1" dirty="0" smtClean="0"/>
+              <a:t>   </a:t>
+            </a:r>
+            <a:endParaRPr lang="en-US" i="1" dirty="0"/>
+          </a:p>
+        </p:txBody>
+      </p:sp>
+      <p:sp>
+        <p:nvSpPr>
+          <p:cNvPr id="48" name="Oval 47"/>
+          <p:cNvSpPr/>
+          <p:nvPr/>
+        </p:nvSpPr>
+        <p:spPr bwMode="auto">
+          <a:xfrm>
+            <a:off x="6196168" y="5791692"/>
+            <a:ext cx="45719" cy="45719"/>
+          </a:xfrm>
+          <a:prstGeom prst="ellipse">
+            <a:avLst/>
+          </a:prstGeom>
+          <a:solidFill>
+            <a:schemeClr val="tx1"/>
+          </a:solidFill>
+          <a:ln>
+            <a:noFill/>
+          </a:ln>
+          <a:effectLst/>
+          <a:extLst/>
+        </p:spPr>
+        <p:txBody>
+          <a:bodyPr lIns="0" tIns="0" rIns="0" bIns="0" rtlCol="0" anchor="ctr">
+            <a:spAutoFit/>
+          </a:bodyPr>
+          <a:lstStyle/>
+          <a:p>
+            <a:pPr algn="just">
+              <a:lnSpc>
+                <a:spcPct val="140000"/>
+              </a:lnSpc>
+              <a:spcBef>
+                <a:spcPct val="0"/>
+              </a:spcBef>
+              <a:spcAft>
+                <a:spcPts val="600"/>
+              </a:spcAft>
+            </a:pPr>
+            <a:endParaRPr lang="en-US" sz="1600" dirty="0">
+              <a:solidFill>
+                <a:srgbClr val="4D4D4D"/>
+              </a:solidFill>
+              <a:latin typeface="メイリオ" pitchFamily="50" charset="-128"/>
+              <a:ea typeface="メイリオ" pitchFamily="50" charset="-128"/>
+              <a:cs typeface="メイリオ" pitchFamily="50" charset="-128"/>
+            </a:endParaRPr>
+          </a:p>
+        </p:txBody>
+      </p:sp>
+      <p:sp>
+        <p:nvSpPr>
+          <p:cNvPr id="51" name="Oval 50"/>
+          <p:cNvSpPr/>
+          <p:nvPr/>
+        </p:nvSpPr>
+        <p:spPr bwMode="auto">
+          <a:xfrm>
+            <a:off x="6203425" y="5944092"/>
+            <a:ext cx="45719" cy="45719"/>
+          </a:xfrm>
+          <a:prstGeom prst="ellipse">
+            <a:avLst/>
+          </a:prstGeom>
+          <a:solidFill>
+            <a:schemeClr val="tx1"/>
+          </a:solidFill>
+          <a:ln>
+            <a:noFill/>
+          </a:ln>
+          <a:effectLst/>
+          <a:extLst/>
+        </p:spPr>
+        <p:txBody>
+          <a:bodyPr lIns="0" tIns="0" rIns="0" bIns="0" rtlCol="0" anchor="ctr">
+            <a:spAutoFit/>
+          </a:bodyPr>
+          <a:lstStyle/>
+          <a:p>
+            <a:pPr algn="just">
+              <a:lnSpc>
+                <a:spcPct val="140000"/>
+              </a:lnSpc>
+              <a:spcBef>
+                <a:spcPct val="0"/>
+              </a:spcBef>
+              <a:spcAft>
+                <a:spcPts val="600"/>
+              </a:spcAft>
+            </a:pPr>
+            <a:endParaRPr lang="en-US" sz="1600" dirty="0">
+              <a:solidFill>
+                <a:srgbClr val="4D4D4D"/>
+              </a:solidFill>
+              <a:latin typeface="メイリオ" pitchFamily="50" charset="-128"/>
+              <a:ea typeface="メイリオ" pitchFamily="50" charset="-128"/>
+              <a:cs typeface="メイリオ" pitchFamily="50" charset="-128"/>
+            </a:endParaRPr>
+          </a:p>
+        </p:txBody>
+      </p:sp>
+      <p:sp>
+        <p:nvSpPr>
+          <p:cNvPr id="52" name="Oval 51"/>
+          <p:cNvSpPr/>
+          <p:nvPr/>
+        </p:nvSpPr>
+        <p:spPr bwMode="auto">
+          <a:xfrm>
+            <a:off x="6203425" y="6119585"/>
+            <a:ext cx="45719" cy="45719"/>
+          </a:xfrm>
+          <a:prstGeom prst="ellipse">
+            <a:avLst/>
+          </a:prstGeom>
+          <a:solidFill>
+            <a:schemeClr val="tx1"/>
+          </a:solidFill>
+          <a:ln>
+            <a:noFill/>
+          </a:ln>
+          <a:effectLst/>
+          <a:extLst/>
+        </p:spPr>
+        <p:txBody>
+          <a:bodyPr lIns="0" tIns="0" rIns="0" bIns="0" rtlCol="0" anchor="ctr">
+            <a:spAutoFit/>
+          </a:bodyPr>
+          <a:lstStyle/>
+          <a:p>
+            <a:pPr algn="just">
+              <a:lnSpc>
+                <a:spcPct val="140000"/>
+              </a:lnSpc>
+              <a:spcBef>
+                <a:spcPct val="0"/>
+              </a:spcBef>
+              <a:spcAft>
+                <a:spcPts val="600"/>
+              </a:spcAft>
+            </a:pPr>
+            <a:endParaRPr lang="en-US" sz="1600" dirty="0">
+              <a:solidFill>
+                <a:srgbClr val="4D4D4D"/>
+              </a:solidFill>
+              <a:latin typeface="メイリオ" pitchFamily="50" charset="-128"/>
+              <a:ea typeface="メイリオ" pitchFamily="50" charset="-128"/>
+              <a:cs typeface="メイリオ" pitchFamily="50" charset="-128"/>
+            </a:endParaRPr>
+          </a:p>
+        </p:txBody>
+      </p:sp>
+    </p:spTree>
+    <p:extLst>
+      <p:ext uri="{BB962C8B-B14F-4D97-AF65-F5344CB8AC3E}">
+        <p14:creationId xmlns:p14="http://schemas.microsoft.com/office/powerpoint/2010/main" val="395360607"/>
       </p:ext>
     </p:extLst>
   </p:cSld>

--- a/images/chainercv.pptx
+++ b/images/chainercv.pptx
@@ -267,7 +267,7 @@
           <a:p>
             <a:fld id="{116CA9A1-49A5-4813-BE73-64411D697E83}" type="datetimeFigureOut">
               <a:rPr kumimoji="1" lang="ja-JP" altLang="en-US" smtClean="0"/>
-              <a:t>2017/10/9</a:t>
+              <a:t>2017/10/10</a:t>
             </a:fld>
             <a:endParaRPr kumimoji="1" lang="ja-JP" altLang="en-US"/>
           </a:p>
@@ -432,7 +432,7 @@
           <a:p>
             <a:fld id="{BB218005-AB2E-4230-9CBF-EC876F8C3946}" type="datetimeFigureOut">
               <a:rPr kumimoji="1" lang="ja-JP" altLang="en-US" smtClean="0"/>
-              <a:t>2017/10/9</a:t>
+              <a:t>2017/10/10</a:t>
             </a:fld>
             <a:endParaRPr kumimoji="1" lang="ja-JP" altLang="en-US"/>
           </a:p>
@@ -4261,57 +4261,14 @@
       </p:grpSpPr>
       <p:sp>
         <p:nvSpPr>
-          <p:cNvPr id="2" name="Title 1"/>
-          <p:cNvSpPr>
-            <a:spLocks noGrp="1"/>
-          </p:cNvSpPr>
-          <p:nvPr>
-            <p:ph type="title"/>
-          </p:nvPr>
-        </p:nvSpPr>
-        <p:spPr/>
-        <p:txBody>
-          <a:bodyPr/>
-          <a:lstStyle/>
-          <a:p>
-            <a:endParaRPr lang="en-US"/>
-          </a:p>
-        </p:txBody>
-      </p:sp>
-      <p:sp>
-        <p:nvSpPr>
-          <p:cNvPr id="3" name="Slide Number Placeholder 2"/>
-          <p:cNvSpPr>
-            <a:spLocks noGrp="1"/>
-          </p:cNvSpPr>
-          <p:nvPr>
-            <p:ph type="sldNum" sz="quarter" idx="4"/>
-          </p:nvPr>
-        </p:nvSpPr>
-        <p:spPr/>
-        <p:txBody>
-          <a:bodyPr/>
-          <a:lstStyle/>
-          <a:p>
-            <a:fld id="{FB3508C7-2FE0-4945-9CBD-863E05F850D2}" type="slidenum">
-              <a:rPr lang="ja-JP" altLang="en-US" smtClean="0"/>
-              <a:pPr/>
-              <a:t>0</a:t>
-            </a:fld>
-            <a:endParaRPr lang="ja-JP" altLang="en-US" dirty="0"/>
-          </a:p>
-        </p:txBody>
-      </p:sp>
-      <p:sp>
-        <p:nvSpPr>
-          <p:cNvPr id="6" name="Rounded Rectangle 5"/>
+          <p:cNvPr id="14" name="Rounded Rectangle 13"/>
           <p:cNvSpPr/>
           <p:nvPr/>
         </p:nvSpPr>
         <p:spPr bwMode="auto">
           <a:xfrm>
-            <a:off x="4592960" y="2636912"/>
-            <a:ext cx="4824536" cy="3600000"/>
+            <a:off x="10468" y="2207061"/>
+            <a:ext cx="1505682" cy="1368152"/>
           </a:xfrm>
           <a:prstGeom prst="roundRect">
             <a:avLst/>
@@ -4322,26 +4279,11 @@
             </a:schemeClr>
           </a:solidFill>
           <a:ln>
-            <a:solidFill>
-              <a:schemeClr val="bg1"/>
-            </a:solidFill>
+            <a:noFill/>
           </a:ln>
+          <a:effectLst/>
           <a:extLst/>
         </p:spPr>
-        <p:style>
-          <a:lnRef idx="2">
-            <a:schemeClr val="dk1"/>
-          </a:lnRef>
-          <a:fillRef idx="1">
-            <a:schemeClr val="lt1"/>
-          </a:fillRef>
-          <a:effectRef idx="0">
-            <a:schemeClr val="dk1"/>
-          </a:effectRef>
-          <a:fontRef idx="minor">
-            <a:schemeClr val="dk1"/>
-          </a:fontRef>
-        </p:style>
         <p:txBody>
           <a:bodyPr lIns="0" tIns="0" rIns="0" bIns="0" rtlCol="0" anchor="ctr">
             <a:spAutoFit/>
@@ -4372,6 +4314,170 @@
       </p:sp>
       <p:sp>
         <p:nvSpPr>
+          <p:cNvPr id="5" name="Rounded Rectangle 4"/>
+          <p:cNvSpPr/>
+          <p:nvPr/>
+        </p:nvSpPr>
+        <p:spPr bwMode="auto">
+          <a:xfrm>
+            <a:off x="62794" y="3891402"/>
+            <a:ext cx="1442120" cy="2880000"/>
+          </a:xfrm>
+          <a:prstGeom prst="roundRect">
+            <a:avLst/>
+          </a:prstGeom>
+          <a:solidFill>
+            <a:schemeClr val="bg1">
+              <a:lumMod val="95000"/>
+            </a:schemeClr>
+          </a:solidFill>
+          <a:ln>
+            <a:noFill/>
+          </a:ln>
+          <a:effectLst/>
+          <a:extLst/>
+        </p:spPr>
+        <p:txBody>
+          <a:bodyPr lIns="0" tIns="0" rIns="0" bIns="0" rtlCol="0" anchor="ctr">
+            <a:spAutoFit/>
+          </a:bodyPr>
+          <a:lstStyle/>
+          <a:p>
+            <a:pPr algn="just">
+              <a:lnSpc>
+                <a:spcPct val="140000"/>
+              </a:lnSpc>
+              <a:spcBef>
+                <a:spcPct val="0"/>
+              </a:spcBef>
+              <a:spcAft>
+                <a:spcPts val="600"/>
+              </a:spcAft>
+            </a:pPr>
+            <a:endParaRPr lang="en-US" sz="1600" dirty="0">
+              <a:solidFill>
+                <a:srgbClr val="4D4D4D"/>
+              </a:solidFill>
+              <a:latin typeface="メイリオ" pitchFamily="50" charset="-128"/>
+              <a:ea typeface="メイリオ" pitchFamily="50" charset="-128"/>
+              <a:cs typeface="メイリオ" pitchFamily="50" charset="-128"/>
+            </a:endParaRPr>
+          </a:p>
+        </p:txBody>
+      </p:sp>
+      <p:sp>
+        <p:nvSpPr>
+          <p:cNvPr id="2" name="Title 1"/>
+          <p:cNvSpPr>
+            <a:spLocks noGrp="1"/>
+          </p:cNvSpPr>
+          <p:nvPr>
+            <p:ph type="title"/>
+          </p:nvPr>
+        </p:nvSpPr>
+        <p:spPr/>
+        <p:txBody>
+          <a:bodyPr/>
+          <a:lstStyle/>
+          <a:p>
+            <a:endParaRPr lang="en-US"/>
+          </a:p>
+        </p:txBody>
+      </p:sp>
+      <p:sp>
+        <p:nvSpPr>
+          <p:cNvPr id="3" name="Slide Number Placeholder 2"/>
+          <p:cNvSpPr>
+            <a:spLocks noGrp="1"/>
+          </p:cNvSpPr>
+          <p:nvPr>
+            <p:ph type="sldNum" sz="quarter" idx="4"/>
+          </p:nvPr>
+        </p:nvSpPr>
+        <p:spPr/>
+        <p:txBody>
+          <a:bodyPr/>
+          <a:lstStyle/>
+          <a:p>
+            <a:fld id="{FB3508C7-2FE0-4945-9CBD-863E05F850D2}" type="slidenum">
+              <a:rPr lang="ja-JP" altLang="en-US" smtClean="0"/>
+              <a:pPr/>
+              <a:t>0</a:t>
+            </a:fld>
+            <a:endParaRPr lang="ja-JP" altLang="en-US" dirty="0"/>
+          </a:p>
+        </p:txBody>
+      </p:sp>
+      <p:sp>
+        <p:nvSpPr>
+          <p:cNvPr id="6" name="Rounded Rectangle 5"/>
+          <p:cNvSpPr/>
+          <p:nvPr/>
+        </p:nvSpPr>
+        <p:spPr bwMode="auto">
+          <a:xfrm>
+            <a:off x="4592960" y="2636912"/>
+            <a:ext cx="4824536" cy="3600000"/>
+          </a:xfrm>
+          <a:prstGeom prst="roundRect">
+            <a:avLst/>
+          </a:prstGeom>
+          <a:solidFill>
+            <a:schemeClr val="bg1">
+              <a:lumMod val="95000"/>
+            </a:schemeClr>
+          </a:solidFill>
+          <a:ln>
+            <a:solidFill>
+              <a:schemeClr val="bg1"/>
+            </a:solidFill>
+          </a:ln>
+          <a:extLst/>
+        </p:spPr>
+        <p:style>
+          <a:lnRef idx="2">
+            <a:schemeClr val="dk1"/>
+          </a:lnRef>
+          <a:fillRef idx="1">
+            <a:schemeClr val="lt1"/>
+          </a:fillRef>
+          <a:effectRef idx="0">
+            <a:schemeClr val="dk1"/>
+          </a:effectRef>
+          <a:fontRef idx="minor">
+            <a:schemeClr val="dk1"/>
+          </a:fontRef>
+        </p:style>
+        <p:txBody>
+          <a:bodyPr lIns="0" tIns="0" rIns="0" bIns="0" rtlCol="0" anchor="ctr">
+            <a:spAutoFit/>
+          </a:bodyPr>
+          <a:lstStyle/>
+          <a:p>
+            <a:pPr algn="just">
+              <a:lnSpc>
+                <a:spcPct val="140000"/>
+              </a:lnSpc>
+              <a:spcBef>
+                <a:spcPct val="0"/>
+              </a:spcBef>
+              <a:spcAft>
+                <a:spcPts val="600"/>
+              </a:spcAft>
+            </a:pPr>
+            <a:endParaRPr lang="en-US" sz="1600" dirty="0">
+              <a:solidFill>
+                <a:srgbClr val="4D4D4D"/>
+              </a:solidFill>
+              <a:latin typeface="メイリオ" pitchFamily="50" charset="-128"/>
+              <a:ea typeface="メイリオ" pitchFamily="50" charset="-128"/>
+              <a:cs typeface="メイリオ" pitchFamily="50" charset="-128"/>
+            </a:endParaRPr>
+          </a:p>
+        </p:txBody>
+      </p:sp>
+      <p:sp>
+        <p:nvSpPr>
           <p:cNvPr id="7" name="TextBox 6"/>
           <p:cNvSpPr txBox="1"/>
           <p:nvPr/>
@@ -4392,11 +4498,16 @@
           </a:bodyPr>
           <a:lstStyle/>
           <a:p>
+            <a:pPr algn="ctr"/>
             <a:r>
-              <a:rPr lang="en-US" sz="3200" smtClean="0"/>
-              <a:t>Object Detection Model</a:t>
+              <a:rPr lang="en-US" sz="3200" b="1" dirty="0" smtClean="0"/>
+              <a:t>Detection </a:t>
             </a:r>
-            <a:endParaRPr lang="en-US" sz="3200" dirty="0"/>
+            <a:r>
+              <a:rPr lang="en-US" sz="3200" b="1" dirty="0" smtClean="0"/>
+              <a:t>Model</a:t>
+            </a:r>
+            <a:endParaRPr lang="en-US" sz="3200" b="1" dirty="0"/>
           </a:p>
         </p:txBody>
       </p:sp>
@@ -4628,7 +4739,7 @@
         </p:nvCxnSpPr>
         <p:spPr>
           <a:xfrm flipH="1">
-            <a:off x="1568476" y="4797152"/>
+            <a:off x="1568476" y="5441076"/>
             <a:ext cx="3024484" cy="0"/>
           </a:xfrm>
           <a:prstGeom prst="straightConnector1">
@@ -4726,7 +4837,7 @@
         </p:nvSpPr>
         <p:spPr bwMode="auto">
           <a:xfrm>
-            <a:off x="128464" y="3825643"/>
+            <a:off x="101824" y="4726376"/>
             <a:ext cx="1310780" cy="572072"/>
           </a:xfrm>
           <a:prstGeom prst="roundRect">
@@ -4788,7 +4899,7 @@
         </p:nvSpPr>
         <p:spPr bwMode="auto">
           <a:xfrm>
-            <a:off x="128464" y="4531547"/>
+            <a:off x="101824" y="5432280"/>
             <a:ext cx="1310780" cy="531209"/>
           </a:xfrm>
           <a:prstGeom prst="roundRect">
@@ -4850,7 +4961,7 @@
         </p:nvSpPr>
         <p:spPr bwMode="auto">
           <a:xfrm>
-            <a:off x="126356" y="5217020"/>
+            <a:off x="99716" y="6117753"/>
             <a:ext cx="1310780" cy="531209"/>
           </a:xfrm>
           <a:prstGeom prst="roundRect">
@@ -4904,6 +5015,66 @@
           </a:p>
         </p:txBody>
       </p:sp>
+      <p:sp>
+        <p:nvSpPr>
+          <p:cNvPr id="13" name="TextBox 12"/>
+          <p:cNvSpPr txBox="1"/>
+          <p:nvPr/>
+        </p:nvSpPr>
+        <p:spPr>
+          <a:xfrm>
+            <a:off x="147300" y="4059046"/>
+            <a:ext cx="1273105" cy="461665"/>
+          </a:xfrm>
+          <a:prstGeom prst="rect">
+            <a:avLst/>
+          </a:prstGeom>
+          <a:noFill/>
+        </p:spPr>
+        <p:txBody>
+          <a:bodyPr wrap="none" rtlCol="0">
+            <a:spAutoFit/>
+          </a:bodyPr>
+          <a:lstStyle/>
+          <a:p>
+            <a:r>
+              <a:rPr lang="en-US" sz="2400" b="1" dirty="0" smtClean="0"/>
+              <a:t>output</a:t>
+            </a:r>
+            <a:endParaRPr lang="en-US" sz="2400" b="1" dirty="0"/>
+          </a:p>
+        </p:txBody>
+      </p:sp>
+      <p:sp>
+        <p:nvSpPr>
+          <p:cNvPr id="20" name="TextBox 19"/>
+          <p:cNvSpPr txBox="1"/>
+          <p:nvPr/>
+        </p:nvSpPr>
+        <p:spPr>
+          <a:xfrm>
+            <a:off x="235883" y="2296669"/>
+            <a:ext cx="1095941" cy="461665"/>
+          </a:xfrm>
+          <a:prstGeom prst="rect">
+            <a:avLst/>
+          </a:prstGeom>
+          <a:noFill/>
+        </p:spPr>
+        <p:txBody>
+          <a:bodyPr wrap="none" rtlCol="0">
+            <a:spAutoFit/>
+          </a:bodyPr>
+          <a:lstStyle/>
+          <a:p>
+            <a:r>
+              <a:rPr lang="en-US" sz="2400" b="1" smtClean="0"/>
+              <a:t>Input</a:t>
+            </a:r>
+            <a:endParaRPr lang="en-US" sz="2400" b="1" dirty="0"/>
+          </a:p>
+        </p:txBody>
+      </p:sp>
     </p:spTree>
     <p:extLst>
       <p:ext uri="{BB962C8B-B14F-4D97-AF65-F5344CB8AC3E}">
@@ -5158,8 +5329,9 @@
             <a:pPr algn="ctr"/>
             <a:r>
               <a:rPr lang="en-US" dirty="0" smtClean="0"/>
-              <a:t>And </a:t>
+              <a:t>and</a:t>
             </a:r>
+            <a:endParaRPr lang="en-US" dirty="0" smtClean="0"/>
           </a:p>
           <a:p>
             <a:pPr algn="ctr"/>
@@ -5234,25 +5406,6 @@
       </p:grpSpPr>
       <p:sp>
         <p:nvSpPr>
-          <p:cNvPr id="2" name="Title 1"/>
-          <p:cNvSpPr>
-            <a:spLocks noGrp="1"/>
-          </p:cNvSpPr>
-          <p:nvPr>
-            <p:ph type="title"/>
-          </p:nvPr>
-        </p:nvSpPr>
-        <p:spPr/>
-        <p:txBody>
-          <a:bodyPr/>
-          <a:lstStyle/>
-          <a:p>
-            <a:endParaRPr lang="en-US"/>
-          </a:p>
-        </p:txBody>
-      </p:sp>
-      <p:sp>
-        <p:nvSpPr>
           <p:cNvPr id="3" name="Slide Number Placeholder 2"/>
           <p:cNvSpPr>
             <a:spLocks noGrp="1"/>
@@ -5529,7 +5682,7 @@
         </p:blipFill>
         <p:spPr>
           <a:xfrm>
-            <a:off x="3021829" y="2235053"/>
+            <a:off x="3021829" y="2259833"/>
             <a:ext cx="952937" cy="862732"/>
           </a:xfrm>
           <a:prstGeom prst="rect">
@@ -5758,14 +5911,6 @@
               </a:rPr>
               <a:t>. &amp;</a:t>
             </a:r>
-            <a:endParaRPr lang="en-US" dirty="0" smtClean="0">
-              <a:solidFill>
-                <a:srgbClr val="4D4D4D"/>
-              </a:solidFill>
-              <a:latin typeface="メイリオ" pitchFamily="50" charset="-128"/>
-              <a:ea typeface="メイリオ" pitchFamily="50" charset="-128"/>
-              <a:cs typeface="メイリオ" pitchFamily="50" charset="-128"/>
-            </a:endParaRPr>
           </a:p>
           <a:p>
             <a:pPr algn="ctr">
